--- a/8-Git Repository Layout.pptx
+++ b/8-Git Repository Layout.pptx
@@ -196,7 +196,8 @@
           <a:p>
             <a:fld id="{40B58A26-0140-4215-ADEF-47A9B19B0804}" type="datetimeFigureOut">
               <a:rPr lang="en-US" smtClean="0"/>
-              <a:t>2/7/2020</a:t>
+              <a:pPr/>
+              <a:t>2/23/2020</a:t>
             </a:fld>
             <a:endParaRPr lang="en-US"/>
           </a:p>
@@ -357,6 +358,7 @@
           <a:p>
             <a:fld id="{92284119-D66A-4B3B-AEA5-F91D7E955022}" type="slidenum">
               <a:rPr lang="en-US" smtClean="0"/>
+              <a:pPr/>
               <a:t>‹#›</a:t>
             </a:fld>
             <a:endParaRPr lang="en-US"/>
@@ -528,6 +530,7 @@
           <a:p>
             <a:fld id="{92284119-D66A-4B3B-AEA5-F91D7E955022}" type="slidenum">
               <a:rPr lang="en-US" smtClean="0"/>
+              <a:pPr/>
               <a:t>1</a:t>
             </a:fld>
             <a:endParaRPr lang="en-US"/>
@@ -724,7 +727,7 @@
             <a:fld id="{F4CCAC7D-03DF-4129-AAF7-F4CE218A42B5}" type="datetimeFigureOut">
               <a:rPr lang="en-US" smtClean="0"/>
               <a:pPr/>
-              <a:t>2/7/2020</a:t>
+              <a:t>2/23/2020</a:t>
             </a:fld>
             <a:endParaRPr lang="en-US"/>
           </a:p>
@@ -891,7 +894,7 @@
             <a:fld id="{F4CCAC7D-03DF-4129-AAF7-F4CE218A42B5}" type="datetimeFigureOut">
               <a:rPr lang="en-US" smtClean="0"/>
               <a:pPr/>
-              <a:t>2/7/2020</a:t>
+              <a:t>2/23/2020</a:t>
             </a:fld>
             <a:endParaRPr lang="en-US"/>
           </a:p>
@@ -1068,7 +1071,7 @@
             <a:fld id="{F4CCAC7D-03DF-4129-AAF7-F4CE218A42B5}" type="datetimeFigureOut">
               <a:rPr lang="en-US" smtClean="0"/>
               <a:pPr/>
-              <a:t>2/7/2020</a:t>
+              <a:t>2/23/2020</a:t>
             </a:fld>
             <a:endParaRPr lang="en-US"/>
           </a:p>
@@ -1235,7 +1238,7 @@
             <a:fld id="{F4CCAC7D-03DF-4129-AAF7-F4CE218A42B5}" type="datetimeFigureOut">
               <a:rPr lang="en-US" smtClean="0"/>
               <a:pPr/>
-              <a:t>2/7/2020</a:t>
+              <a:t>2/23/2020</a:t>
             </a:fld>
             <a:endParaRPr lang="en-US"/>
           </a:p>
@@ -1478,7 +1481,7 @@
             <a:fld id="{F4CCAC7D-03DF-4129-AAF7-F4CE218A42B5}" type="datetimeFigureOut">
               <a:rPr lang="en-US" smtClean="0"/>
               <a:pPr/>
-              <a:t>2/7/2020</a:t>
+              <a:t>2/23/2020</a:t>
             </a:fld>
             <a:endParaRPr lang="en-US"/>
           </a:p>
@@ -1763,7 +1766,7 @@
             <a:fld id="{F4CCAC7D-03DF-4129-AAF7-F4CE218A42B5}" type="datetimeFigureOut">
               <a:rPr lang="en-US" smtClean="0"/>
               <a:pPr/>
-              <a:t>2/7/2020</a:t>
+              <a:t>2/23/2020</a:t>
             </a:fld>
             <a:endParaRPr lang="en-US"/>
           </a:p>
@@ -2182,7 +2185,7 @@
             <a:fld id="{F4CCAC7D-03DF-4129-AAF7-F4CE218A42B5}" type="datetimeFigureOut">
               <a:rPr lang="en-US" smtClean="0"/>
               <a:pPr/>
-              <a:t>2/7/2020</a:t>
+              <a:t>2/23/2020</a:t>
             </a:fld>
             <a:endParaRPr lang="en-US"/>
           </a:p>
@@ -2297,7 +2300,7 @@
             <a:fld id="{F4CCAC7D-03DF-4129-AAF7-F4CE218A42B5}" type="datetimeFigureOut">
               <a:rPr lang="en-US" smtClean="0"/>
               <a:pPr/>
-              <a:t>2/7/2020</a:t>
+              <a:t>2/23/2020</a:t>
             </a:fld>
             <a:endParaRPr lang="en-US"/>
           </a:p>
@@ -2389,7 +2392,7 @@
             <a:fld id="{F4CCAC7D-03DF-4129-AAF7-F4CE218A42B5}" type="datetimeFigureOut">
               <a:rPr lang="en-US" smtClean="0"/>
               <a:pPr/>
-              <a:t>2/7/2020</a:t>
+              <a:t>2/23/2020</a:t>
             </a:fld>
             <a:endParaRPr lang="en-US"/>
           </a:p>
@@ -2663,7 +2666,7 @@
             <a:fld id="{F4CCAC7D-03DF-4129-AAF7-F4CE218A42B5}" type="datetimeFigureOut">
               <a:rPr lang="en-US" smtClean="0"/>
               <a:pPr/>
-              <a:t>2/7/2020</a:t>
+              <a:t>2/23/2020</a:t>
             </a:fld>
             <a:endParaRPr lang="en-US"/>
           </a:p>
@@ -2913,7 +2916,7 @@
             <a:fld id="{F4CCAC7D-03DF-4129-AAF7-F4CE218A42B5}" type="datetimeFigureOut">
               <a:rPr lang="en-US" smtClean="0"/>
               <a:pPr/>
-              <a:t>2/7/2020</a:t>
+              <a:t>2/23/2020</a:t>
             </a:fld>
             <a:endParaRPr lang="en-US"/>
           </a:p>
@@ -3123,7 +3126,7 @@
             <a:fld id="{F4CCAC7D-03DF-4129-AAF7-F4CE218A42B5}" type="datetimeFigureOut">
               <a:rPr lang="en-US" smtClean="0"/>
               <a:pPr/>
-              <a:t>2/7/2020</a:t>
+              <a:t>2/23/2020</a:t>
             </a:fld>
             <a:endParaRPr lang="en-US"/>
           </a:p>
@@ -3530,45 +3533,54 @@
         <p:spPr/>
         <p:txBody>
           <a:bodyPr>
-            <a:normAutofit fontScale="92500" lnSpcReduction="10000"/>
+            <a:normAutofit fontScale="92500" lnSpcReduction="20000"/>
           </a:bodyPr>
           <a:lstStyle/>
           <a:p>
             <a:r>
               <a:rPr lang="en-US" dirty="0" smtClean="0"/>
-              <a:t>a .git directory at the root of the working </a:t>
-            </a:r>
-            <a:r>
-              <a:rPr lang="en-US" dirty="0" smtClean="0"/>
-              <a:t>tree</a:t>
-            </a:r>
-          </a:p>
-          <a:p>
-            <a:r>
-              <a:rPr lang="en-US" dirty="0" smtClean="0"/>
-              <a:t>objects</a:t>
-            </a:r>
+              <a:t>a .git directory at the root of the working tree</a:t>
+            </a:r>
+          </a:p>
+          <a:p>
+            <a:r>
+              <a:rPr lang="en-US" dirty="0" smtClean="0"/>
+              <a:t>Objects</a:t>
+            </a:r>
+            <a:endParaRPr lang="en-US" dirty="0" smtClean="0"/>
           </a:p>
           <a:p>
             <a:pPr lvl="2"/>
             <a:r>
               <a:rPr lang="en-US" dirty="0" smtClean="0"/>
-              <a:t>Object store associated with this repository. </a:t>
+              <a:t>Stores </a:t>
+            </a:r>
+            <a:r>
+              <a:rPr lang="en-US" dirty="0" smtClean="0"/>
+              <a:t>all the content for </a:t>
+            </a:r>
+            <a:r>
+              <a:rPr lang="en-US" dirty="0" smtClean="0"/>
+              <a:t>your database.</a:t>
+            </a:r>
+            <a:endParaRPr lang="en-US" dirty="0" smtClean="0"/>
+          </a:p>
+          <a:p>
+            <a:pPr lvl="2"/>
+            <a:r>
+              <a:rPr lang="en-US" dirty="0" smtClean="0"/>
+              <a:t>Object </a:t>
+            </a:r>
+            <a:r>
+              <a:rPr lang="en-US" dirty="0" smtClean="0"/>
+              <a:t>store associated with this repository. </a:t>
             </a:r>
           </a:p>
           <a:p>
             <a:pPr lvl="1"/>
             <a:r>
               <a:rPr lang="en-US" dirty="0" smtClean="0"/>
-              <a:t>objects/[</a:t>
-            </a:r>
-            <a:r>
-              <a:rPr lang="en-US" dirty="0" smtClean="0"/>
-              <a:t>0-9a-f][0-9a-f</a:t>
-            </a:r>
-            <a:r>
-              <a:rPr lang="en-US" dirty="0" smtClean="0"/>
-              <a:t>]</a:t>
+              <a:t>objects/[0-9a-f][0-9a-f]</a:t>
             </a:r>
           </a:p>
           <a:p>
@@ -3577,7 +3589,6 @@
               <a:rPr lang="en-US" dirty="0" smtClean="0"/>
               <a:t>A newly created object is stored in its own file.</a:t>
             </a:r>
-            <a:endParaRPr lang="en-US" dirty="0" smtClean="0"/>
           </a:p>
           <a:p>
             <a:pPr lvl="1"/>
@@ -3590,25 +3601,8 @@
             <a:pPr lvl="2"/>
             <a:r>
               <a:rPr lang="en-US" dirty="0" smtClean="0"/>
-              <a:t>Packs </a:t>
-            </a:r>
-            <a:r>
-              <a:rPr lang="en-US" dirty="0" smtClean="0"/>
-              <a:t>(files that store many objects in compressed </a:t>
-            </a:r>
-            <a:r>
-              <a:rPr lang="en-US" dirty="0" smtClean="0"/>
-              <a:t>form along with index files are </a:t>
-            </a:r>
-            <a:r>
-              <a:rPr lang="en-US" dirty="0" smtClean="0"/>
-              <a:t>found in this directory</a:t>
-            </a:r>
-            <a:r>
-              <a:rPr lang="en-US" dirty="0" smtClean="0"/>
-              <a:t>.)</a:t>
-            </a:r>
-            <a:endParaRPr lang="en-US" dirty="0" smtClean="0"/>
+              <a:t>Packs (files that store many objects in compressed form along with index files are found in this directory.)</a:t>
+            </a:r>
           </a:p>
           <a:p>
             <a:pPr lvl="1"/>
@@ -3621,11 +3615,7 @@
             <a:pPr lvl="2"/>
             <a:r>
               <a:rPr lang="en-US" dirty="0" smtClean="0"/>
-              <a:t>Additional information about the object store is recorded in this directory</a:t>
-            </a:r>
-            <a:r>
-              <a:rPr lang="en-US" dirty="0" smtClean="0"/>
-              <a:t>.</a:t>
+              <a:t>Additional information about the object store is recorded in this directory.</a:t>
             </a:r>
           </a:p>
         </p:txBody>
@@ -3674,15 +3664,7 @@
           <a:p>
             <a:r>
               <a:rPr lang="en-US" dirty="0" smtClean="0"/>
-              <a:t>Git </a:t>
-            </a:r>
-            <a:r>
-              <a:rPr lang="en-US" dirty="0" smtClean="0"/>
-              <a:t>Repository </a:t>
-            </a:r>
-            <a:r>
-              <a:rPr lang="en-US" dirty="0" smtClean="0"/>
-              <a:t>Layout</a:t>
+              <a:t>Git Repository Layout</a:t>
             </a:r>
             <a:endParaRPr lang="en-US" dirty="0"/>
           </a:p>
@@ -3701,7 +3683,7 @@
         <p:spPr/>
         <p:txBody>
           <a:bodyPr>
-            <a:normAutofit lnSpcReduction="10000"/>
+            <a:normAutofit fontScale="92500" lnSpcReduction="20000"/>
           </a:bodyPr>
           <a:lstStyle/>
           <a:p>
@@ -3714,7 +3696,23 @@
             <a:pPr lvl="2"/>
             <a:r>
               <a:rPr lang="en-US" dirty="0" smtClean="0"/>
-              <a:t>References are stored in subdirectories of this directory. </a:t>
+              <a:t>Stores </a:t>
+            </a:r>
+            <a:r>
+              <a:rPr lang="en-US" dirty="0" smtClean="0"/>
+              <a:t>pointers into commit objects in that data (branches, tags, remotes and more),</a:t>
+            </a:r>
+            <a:endParaRPr lang="en-US" dirty="0" smtClean="0"/>
+          </a:p>
+          <a:p>
+            <a:pPr lvl="2"/>
+            <a:r>
+              <a:rPr lang="en-US" dirty="0" smtClean="0"/>
+              <a:t>References </a:t>
+            </a:r>
+            <a:r>
+              <a:rPr lang="en-US" dirty="0" smtClean="0"/>
+              <a:t>are stored in subdirectories of this directory. </a:t>
             </a:r>
           </a:p>
           <a:p>
@@ -3756,13 +3754,8 @@
             <a:pPr lvl="2"/>
             <a:r>
               <a:rPr lang="en-US" dirty="0" smtClean="0"/>
-              <a:t>records tip-of-the-tree commit objects of branches copied from a remote repository</a:t>
-            </a:r>
-            <a:r>
-              <a:rPr lang="en-US" dirty="0" smtClean="0"/>
-              <a:t>.</a:t>
-            </a:r>
-            <a:endParaRPr lang="en-US" dirty="0" smtClean="0"/>
+              <a:t>records tip-of-the-tree commit objects of branches copied from a remote repository.</a:t>
+            </a:r>
           </a:p>
         </p:txBody>
       </p:sp>
@@ -3827,7 +3820,7 @@
         <p:spPr/>
         <p:txBody>
           <a:bodyPr>
-            <a:normAutofit fontScale="92500" lnSpcReduction="10000"/>
+            <a:normAutofit fontScale="77500" lnSpcReduction="20000"/>
           </a:bodyPr>
           <a:lstStyle/>
           <a:p>
@@ -3854,8 +3847,65 @@
             <a:pPr lvl="1"/>
             <a:r>
               <a:rPr lang="en-US" dirty="0" smtClean="0"/>
-              <a:t>Repository specific configuration file.</a:t>
-            </a:r>
+              <a:t>Project </a:t>
+            </a:r>
+            <a:r>
+              <a:rPr lang="en-US" dirty="0" smtClean="0"/>
+              <a:t>specific configuration file</a:t>
+            </a:r>
+            <a:r>
+              <a:rPr lang="en-US" dirty="0" smtClean="0"/>
+              <a:t>.</a:t>
+            </a:r>
+          </a:p>
+          <a:p>
+            <a:r>
+              <a:rPr lang="en-US" dirty="0" smtClean="0"/>
+              <a:t>Description</a:t>
+            </a:r>
+          </a:p>
+          <a:p>
+            <a:pPr lvl="1"/>
+            <a:r>
+              <a:rPr lang="en-US" dirty="0" smtClean="0"/>
+              <a:t>file is used only by the </a:t>
+            </a:r>
+            <a:r>
+              <a:rPr lang="en-US" dirty="0" err="1" smtClean="0"/>
+              <a:t>GitWeb</a:t>
+            </a:r>
+            <a:r>
+              <a:rPr lang="en-US" dirty="0" smtClean="0"/>
+              <a:t> program</a:t>
+            </a:r>
+            <a:r>
+              <a:rPr lang="en-US" dirty="0" smtClean="0"/>
+              <a:t>, so ignore.</a:t>
+            </a:r>
+            <a:endParaRPr lang="en-US" dirty="0" smtClean="0"/>
+          </a:p>
+          <a:p>
+            <a:r>
+              <a:rPr lang="en-US" dirty="0" smtClean="0"/>
+              <a:t>index</a:t>
+            </a:r>
+            <a:endParaRPr lang="en-US" dirty="0" smtClean="0"/>
+          </a:p>
+          <a:p>
+            <a:pPr lvl="1"/>
+            <a:r>
+              <a:rPr lang="en-US" dirty="0" smtClean="0"/>
+              <a:t>Git stores </a:t>
+            </a:r>
+            <a:r>
+              <a:rPr lang="en-US" dirty="0" smtClean="0"/>
+              <a:t>the staging </a:t>
+            </a:r>
+            <a:r>
+              <a:rPr lang="en-US" dirty="0" smtClean="0"/>
+              <a:t>area information. </a:t>
+            </a:r>
+            <a:endParaRPr lang="en-US" dirty="0" smtClean="0"/>
           </a:p>
           <a:p>
             <a:r>
@@ -3868,11 +3918,7 @@
             <a:pPr lvl="1"/>
             <a:r>
               <a:rPr lang="en-US" dirty="0" smtClean="0"/>
-              <a:t>Hooks </a:t>
-            </a:r>
-            <a:r>
-              <a:rPr lang="en-US" dirty="0" smtClean="0"/>
-              <a:t>are customization scripts used by various Git commands. A handful of sample hooks are installed when </a:t>
+              <a:t>Hooks are customization scripts used by various Git commands. A handful of sample hooks are installed when </a:t>
             </a:r>
             <a:r>
               <a:rPr lang="en-US" b="1" dirty="0" smtClean="0"/>
@@ -3880,13 +3926,8 @@
             </a:r>
             <a:r>
               <a:rPr lang="en-US" dirty="0" smtClean="0"/>
-              <a:t> is run, but all of them are disabled by default. To enable, the .sample suffix has to be removed from the filename by </a:t>
-            </a:r>
-            <a:r>
-              <a:rPr lang="en-US" dirty="0" smtClean="0"/>
-              <a:t>renaming</a:t>
-            </a:r>
-            <a:endParaRPr lang="en-US" dirty="0" smtClean="0"/>
+              <a:t> is run, but all of them are disabled by default. To enable, the .sample suffix has to be removed from the filename by renaming</a:t>
+            </a:r>
           </a:p>
         </p:txBody>
       </p:sp>
@@ -3955,19 +3996,29 @@
           <a:p>
             <a:r>
               <a:rPr lang="en-US" dirty="0" smtClean="0"/>
-              <a:t>info</a:t>
-            </a:r>
+              <a:t>Info</a:t>
+            </a:r>
+            <a:endParaRPr lang="en-US" dirty="0" smtClean="0"/>
           </a:p>
           <a:p>
             <a:pPr lvl="1"/>
             <a:r>
               <a:rPr lang="en-US" dirty="0" smtClean="0"/>
-              <a:t>Additional information about the repository is recorded in this directory</a:t>
-            </a:r>
-            <a:r>
-              <a:rPr lang="en-US" dirty="0" smtClean="0"/>
-              <a:t>.</a:t>
-            </a:r>
+              <a:t>Keeps </a:t>
+            </a:r>
+            <a:r>
+              <a:rPr lang="en-US" dirty="0" smtClean="0"/>
+              <a:t>a global exclude file for ignored patterns that you don’t want to track in a .</a:t>
+            </a:r>
+            <a:r>
+              <a:rPr lang="en-US" dirty="0" err="1" smtClean="0"/>
+              <a:t>gitignore</a:t>
+            </a:r>
+            <a:r>
+              <a:rPr lang="en-US" dirty="0" smtClean="0"/>
+              <a:t> file.</a:t>
+            </a:r>
+            <a:endParaRPr lang="en-US" dirty="0" smtClean="0"/>
           </a:p>
           <a:p>
             <a:r>
@@ -3995,11 +4046,7 @@
             </a:r>
             <a:r>
               <a:rPr lang="en-US" dirty="0" smtClean="0"/>
-              <a:t> for use when interacting with remote </a:t>
-            </a:r>
-            <a:r>
-              <a:rPr lang="en-US" dirty="0" smtClean="0"/>
-              <a:t>repositories</a:t>
+              <a:t> for use when interacting with remote repositories</a:t>
             </a:r>
           </a:p>
           <a:p>
@@ -4084,17 +4131,8 @@
             <a:pPr lvl="1"/>
             <a:r>
               <a:rPr lang="en-US" dirty="0" smtClean="0"/>
-              <a:t>Records </a:t>
-            </a:r>
-            <a:r>
-              <a:rPr lang="en-US" dirty="0" smtClean="0"/>
-              <a:t>of changes made to refs are stored in this directory</a:t>
-            </a:r>
-            <a:r>
-              <a:rPr lang="en-US" dirty="0" smtClean="0"/>
-              <a:t>.</a:t>
-            </a:r>
-            <a:endParaRPr lang="en-US" dirty="0" smtClean="0"/>
+              <a:t>Records of changes made to refs are stored in this directory.</a:t>
+            </a:r>
           </a:p>
           <a:p>
             <a:r>
@@ -4106,17 +4144,8 @@
             <a:pPr lvl="1"/>
             <a:r>
               <a:rPr lang="en-US" dirty="0" smtClean="0"/>
-              <a:t>Records </a:t>
-            </a:r>
-            <a:r>
-              <a:rPr lang="en-US" dirty="0" smtClean="0"/>
-              <a:t>all changes made to the </a:t>
-            </a:r>
-            <a:r>
-              <a:rPr lang="en-US" dirty="0" smtClean="0"/>
-              <a:t>branch-name tip</a:t>
-            </a:r>
-            <a:endParaRPr lang="en-US" dirty="0" smtClean="0"/>
+              <a:t>Records all changes made to the branch-name tip</a:t>
+            </a:r>
           </a:p>
           <a:p>
             <a:r>
@@ -4128,15 +4157,7 @@
             <a:pPr lvl="1"/>
             <a:r>
               <a:rPr lang="en-US" dirty="0" smtClean="0"/>
-              <a:t>Records </a:t>
-            </a:r>
-            <a:r>
-              <a:rPr lang="en-US" dirty="0" smtClean="0"/>
-              <a:t>all changes made to the </a:t>
-            </a:r>
-            <a:r>
-              <a:rPr lang="en-US" dirty="0" smtClean="0"/>
-              <a:t>tag-name</a:t>
+              <a:t>Records all changes made to the tag-name</a:t>
             </a:r>
           </a:p>
           <a:p>
@@ -4144,19 +4165,13 @@
               <a:rPr lang="en-US" dirty="0" smtClean="0"/>
               <a:t>logs/HEAD</a:t>
             </a:r>
-            <a:endParaRPr lang="en-US" dirty="0" smtClean="0"/>
           </a:p>
           <a:p>
             <a:pPr lvl="1"/>
             <a:r>
               <a:rPr lang="en-US" dirty="0" smtClean="0"/>
-              <a:t>Records all changes made to </a:t>
-            </a:r>
-            <a:r>
-              <a:rPr lang="en-US" dirty="0" smtClean="0"/>
-              <a:t>all branches and tags</a:t>
-            </a:r>
-            <a:endParaRPr lang="en-US" dirty="0" smtClean="0"/>
+              <a:t>Records all changes made to all branches and tags</a:t>
+            </a:r>
           </a:p>
           <a:p>
             <a:pPr lvl="1"/>
